--- a/Documentation/CMPE281.pptx
+++ b/Documentation/CMPE281.pptx
@@ -11,6 +11,8 @@
     <p:sldId id="261" r:id="rId5"/>
     <p:sldId id="257" r:id="rId6"/>
     <p:sldId id="262" r:id="rId7"/>
+    <p:sldId id="263" r:id="rId8"/>
+    <p:sldId id="264" r:id="rId9"/>
   </p:sldIdLst>
   <p:sldSz cx="12192000" cy="6858000"/>
   <p:notesSz cx="6858000" cy="9144000"/>
@@ -109,6 +111,11 @@
       </a:defRPr>
     </a:lvl9pPr>
   </p:defaultTextStyle>
+  <p:extLst>
+    <p:ext uri="{EFAFB233-063F-42B5-8137-9DF3F51BA10A}">
+      <p15:sldGuideLst xmlns:p15="http://schemas.microsoft.com/office/powerpoint/2012/main"/>
+    </p:ext>
+  </p:extLst>
 </p:presentation>
 </file>
 
@@ -6633,6 +6640,14 @@
 <file path=ppt/slides/slide5.xml><?xml version="1.0" encoding="utf-8"?>
 <p:sld xmlns:a="http://schemas.openxmlformats.org/drawingml/2006/main" xmlns:r="http://schemas.openxmlformats.org/officeDocument/2006/relationships" xmlns:p="http://schemas.openxmlformats.org/presentationml/2006/main">
   <p:cSld>
+    <p:bg>
+      <p:bgPr>
+        <a:solidFill>
+          <a:schemeClr val="bg1"/>
+        </a:solidFill>
+        <a:effectLst/>
+      </p:bgPr>
+    </p:bg>
     <p:spTree>
       <p:nvGrpSpPr>
         <p:cNvPr id="1" name=""/>
@@ -6649,44 +6664,665 @@
       </p:grpSpPr>
       <p:sp>
         <p:nvSpPr>
-          <p:cNvPr id="2" name="Title 1">
+          <p:cNvPr id="13" name="Rectangle 12">
             <a:extLst>
               <a:ext uri="{FF2B5EF4-FFF2-40B4-BE49-F238E27FC236}">
-                <a16:creationId xmlns:a16="http://schemas.microsoft.com/office/drawing/2014/main" id="{55B405AB-402F-4A59-8FC8-DDB127BB03C4}"/>
+                <a16:creationId xmlns:a16="http://schemas.microsoft.com/office/drawing/2014/main" id="{B4AAD3FD-83A5-4B89-9F8F-01B8870865BE}"/>
               </a:ext>
             </a:extLst>
           </p:cNvPr>
           <p:cNvSpPr>
-            <a:spLocks noGrp="1"/>
-          </p:cNvSpPr>
-          <p:nvPr>
-            <p:ph type="title"/>
+            <a:spLocks noGrp="1" noRot="1" noChangeAspect="1" noMove="1" noResize="1" noEditPoints="1" noAdjustHandles="1" noChangeArrowheads="1" noChangeShapeType="1" noTextEdit="1"/>
+          </p:cNvSpPr>
+          <p:nvPr>
+            <p:extLst>
+              <p:ext uri="{386F3935-93C4-4BCD-93E2-E3B085C9AB24}">
+                <p16:designElem xmlns:p16="http://schemas.microsoft.com/office/powerpoint/2015/main" val="1"/>
+              </p:ext>
+            </p:extLst>
           </p:nvPr>
         </p:nvSpPr>
         <p:spPr>
           <a:xfrm>
-            <a:off x="150001" y="177107"/>
-            <a:ext cx="9404723" cy="5925113"/>
+            <a:off x="0" y="0"/>
+            <a:ext cx="12192000" cy="6858000"/>
           </a:xfrm>
+          <a:prstGeom prst="rect">
+            <a:avLst/>
+          </a:prstGeom>
+          <a:ln>
+            <a:noFill/>
+          </a:ln>
         </p:spPr>
-        <p:txBody>
-          <a:bodyPr/>
+        <p:style>
+          <a:lnRef idx="2">
+            <a:schemeClr val="accent1">
+              <a:shade val="50000"/>
+            </a:schemeClr>
+          </a:lnRef>
+          <a:fillRef idx="1003">
+            <a:schemeClr val="dk2"/>
+          </a:fillRef>
+          <a:effectRef idx="0">
+            <a:schemeClr val="accent1"/>
+          </a:effectRef>
+          <a:fontRef idx="minor">
+            <a:schemeClr val="lt1"/>
+          </a:fontRef>
+        </p:style>
+        <p:txBody>
+          <a:bodyPr rtlCol="0" anchor="ctr"/>
           <a:lstStyle/>
           <a:p>
-            <a:r>
-              <a:rPr lang="en-US" dirty="0"/>
-              <a:t>ARCHITECTURE</a:t>
-            </a:r>
-            <a:br>
-              <a:rPr lang="en-US" dirty="0"/>
-            </a:br>
-            <a:endParaRPr lang="en-US" dirty="0"/>
-          </a:p>
-        </p:txBody>
+            <a:pPr algn="ctr"/>
+            <a:endParaRPr lang="en-US"/>
+          </a:p>
+        </p:txBody>
+      </p:sp>
+      <p:sp useBgFill="1">
+        <p:nvSpPr>
+          <p:cNvPr id="15" name="Rectangle 14">
+            <a:extLst>
+              <a:ext uri="{FF2B5EF4-FFF2-40B4-BE49-F238E27FC236}">
+                <a16:creationId xmlns:a16="http://schemas.microsoft.com/office/drawing/2014/main" id="{126C04EF-6428-472D-B316-74A19385B08F}"/>
+              </a:ext>
+            </a:extLst>
+          </p:cNvPr>
+          <p:cNvSpPr>
+            <a:spLocks noGrp="1" noRot="1" noChangeAspect="1" noMove="1" noResize="1" noEditPoints="1" noAdjustHandles="1" noChangeArrowheads="1" noChangeShapeType="1" noTextEdit="1"/>
+          </p:cNvSpPr>
+          <p:nvPr>
+            <p:extLst>
+              <p:ext uri="{386F3935-93C4-4BCD-93E2-E3B085C9AB24}">
+                <p16:designElem xmlns:p16="http://schemas.microsoft.com/office/powerpoint/2015/main" val="1"/>
+              </p:ext>
+            </p:extLst>
+          </p:nvPr>
+        </p:nvSpPr>
+        <p:spPr>
+          <a:xfrm>
+            <a:off x="6093992" y="0"/>
+            <a:ext cx="6098427" cy="6858000"/>
+          </a:xfrm>
+          <a:prstGeom prst="rect">
+            <a:avLst/>
+          </a:prstGeom>
+          <a:ln>
+            <a:noFill/>
+          </a:ln>
+        </p:spPr>
+        <p:style>
+          <a:lnRef idx="2">
+            <a:schemeClr val="accent1">
+              <a:shade val="50000"/>
+            </a:schemeClr>
+          </a:lnRef>
+          <a:fillRef idx="1">
+            <a:schemeClr val="accent1"/>
+          </a:fillRef>
+          <a:effectRef idx="0">
+            <a:schemeClr val="accent1"/>
+          </a:effectRef>
+          <a:fontRef idx="minor">
+            <a:schemeClr val="lt1"/>
+          </a:fontRef>
+        </p:style>
+        <p:txBody>
+          <a:bodyPr rtlCol="0" anchor="ctr"/>
+          <a:lstStyle/>
+          <a:p>
+            <a:pPr algn="ctr"/>
+            <a:endParaRPr lang="en-US"/>
+          </a:p>
+        </p:txBody>
+      </p:sp>
+      <p:sp>
+        <p:nvSpPr>
+          <p:cNvPr id="17" name="Freeform 31">
+            <a:extLst>
+              <a:ext uri="{FF2B5EF4-FFF2-40B4-BE49-F238E27FC236}">
+                <a16:creationId xmlns:a16="http://schemas.microsoft.com/office/drawing/2014/main" id="{61752F1D-FC0F-4103-9584-630E643CCDA6}"/>
+              </a:ext>
+            </a:extLst>
+          </p:cNvPr>
+          <p:cNvSpPr>
+            <a:spLocks noGrp="1" noRot="1" noChangeAspect="1" noMove="1" noResize="1" noEditPoints="1" noAdjustHandles="1" noChangeArrowheads="1" noChangeShapeType="1" noTextEdit="1"/>
+          </p:cNvSpPr>
+          <p:nvPr>
+            <p:extLst>
+              <p:ext uri="{386F3935-93C4-4BCD-93E2-E3B085C9AB24}">
+                <p16:designElem xmlns:p16="http://schemas.microsoft.com/office/powerpoint/2015/main" val="1"/>
+              </p:ext>
+            </p:extLst>
+          </p:nvPr>
+        </p:nvSpPr>
+        <p:spPr>
+          <a:xfrm>
+            <a:off x="4994020" y="-1"/>
+            <a:ext cx="559472" cy="3709642"/>
+          </a:xfrm>
+          <a:custGeom>
+            <a:avLst/>
+            <a:gdLst>
+              <a:gd name="connsiteX0" fmla="*/ 0 w 559472"/>
+              <a:gd name="connsiteY0" fmla="*/ 0 h 3709642"/>
+              <a:gd name="connsiteX1" fmla="*/ 473952 w 559472"/>
+              <a:gd name="connsiteY1" fmla="*/ 0 h 3709642"/>
+              <a:gd name="connsiteX2" fmla="*/ 485840 w 559472"/>
+              <a:gd name="connsiteY2" fmla="*/ 161194 h 3709642"/>
+              <a:gd name="connsiteX3" fmla="*/ 523949 w 559472"/>
+              <a:gd name="connsiteY3" fmla="*/ 3672197 h 3709642"/>
+              <a:gd name="connsiteX4" fmla="*/ 454748 w 559472"/>
+              <a:gd name="connsiteY4" fmla="*/ 3709642 h 3709642"/>
+              <a:gd name="connsiteX5" fmla="*/ 448224 w 559472"/>
+              <a:gd name="connsiteY5" fmla="*/ 3510471 h 3709642"/>
+              <a:gd name="connsiteX6" fmla="*/ 443564 w 559472"/>
+              <a:gd name="connsiteY6" fmla="*/ 3408563 h 3709642"/>
+              <a:gd name="connsiteX7" fmla="*/ 438902 w 559472"/>
+              <a:gd name="connsiteY7" fmla="*/ 3304407 h 3709642"/>
+              <a:gd name="connsiteX8" fmla="*/ 433941 w 559472"/>
+              <a:gd name="connsiteY8" fmla="*/ 3198777 h 3709642"/>
+              <a:gd name="connsiteX9" fmla="*/ 427584 w 559472"/>
+              <a:gd name="connsiteY9" fmla="*/ 3092510 h 3709642"/>
+              <a:gd name="connsiteX10" fmla="*/ 420988 w 559472"/>
+              <a:gd name="connsiteY10" fmla="*/ 2984390 h 3709642"/>
+              <a:gd name="connsiteX11" fmla="*/ 414330 w 559472"/>
+              <a:gd name="connsiteY11" fmla="*/ 2874401 h 3709642"/>
+              <a:gd name="connsiteX12" fmla="*/ 406840 w 559472"/>
+              <a:gd name="connsiteY12" fmla="*/ 2762980 h 3709642"/>
+              <a:gd name="connsiteX13" fmla="*/ 397745 w 559472"/>
+              <a:gd name="connsiteY13" fmla="*/ 2650566 h 3709642"/>
+              <a:gd name="connsiteX14" fmla="*/ 389154 w 559472"/>
+              <a:gd name="connsiteY14" fmla="*/ 2536612 h 3709642"/>
+              <a:gd name="connsiteX15" fmla="*/ 379225 w 559472"/>
+              <a:gd name="connsiteY15" fmla="*/ 2421642 h 3709642"/>
+              <a:gd name="connsiteX16" fmla="*/ 368316 w 559472"/>
+              <a:gd name="connsiteY16" fmla="*/ 2305627 h 3709642"/>
+              <a:gd name="connsiteX17" fmla="*/ 357466 w 559472"/>
+              <a:gd name="connsiteY17" fmla="*/ 2189233 h 3709642"/>
+              <a:gd name="connsiteX18" fmla="*/ 344982 w 559472"/>
+              <a:gd name="connsiteY18" fmla="*/ 2071473 h 3709642"/>
+              <a:gd name="connsiteX19" fmla="*/ 332466 w 559472"/>
+              <a:gd name="connsiteY19" fmla="*/ 1952216 h 3709642"/>
+              <a:gd name="connsiteX20" fmla="*/ 319121 w 559472"/>
+              <a:gd name="connsiteY20" fmla="*/ 1833776 h 3709642"/>
+              <a:gd name="connsiteX21" fmla="*/ 304408 w 559472"/>
+              <a:gd name="connsiteY21" fmla="*/ 1713948 h 3709642"/>
+              <a:gd name="connsiteX22" fmla="*/ 288685 w 559472"/>
+              <a:gd name="connsiteY22" fmla="*/ 1592703 h 3709642"/>
+              <a:gd name="connsiteX23" fmla="*/ 273050 w 559472"/>
+              <a:gd name="connsiteY23" fmla="*/ 1471451 h 3709642"/>
+              <a:gd name="connsiteX24" fmla="*/ 255813 w 559472"/>
+              <a:gd name="connsiteY24" fmla="*/ 1350328 h 3709642"/>
+              <a:gd name="connsiteX25" fmla="*/ 237060 w 559472"/>
+              <a:gd name="connsiteY25" fmla="*/ 1227080 h 3709642"/>
+              <a:gd name="connsiteX26" fmla="*/ 218488 w 559472"/>
+              <a:gd name="connsiteY26" fmla="*/ 1106065 h 3709642"/>
+              <a:gd name="connsiteX27" fmla="*/ 198221 w 559472"/>
+              <a:gd name="connsiteY27" fmla="*/ 982940 h 3709642"/>
+              <a:gd name="connsiteX28" fmla="*/ 177152 w 559472"/>
+              <a:gd name="connsiteY28" fmla="*/ 858755 h 3709642"/>
+              <a:gd name="connsiteX29" fmla="*/ 155551 w 559472"/>
+              <a:gd name="connsiteY29" fmla="*/ 736861 h 3709642"/>
+              <a:gd name="connsiteX30" fmla="*/ 131782 w 559472"/>
+              <a:gd name="connsiteY30" fmla="*/ 613645 h 3709642"/>
+              <a:gd name="connsiteX31" fmla="*/ 107123 w 559472"/>
+              <a:gd name="connsiteY31" fmla="*/ 490500 h 3709642"/>
+              <a:gd name="connsiteX32" fmla="*/ 82552 w 559472"/>
+              <a:gd name="connsiteY32" fmla="*/ 367348 h 3709642"/>
+              <a:gd name="connsiteX33" fmla="*/ 55608 w 559472"/>
+              <a:gd name="connsiteY33" fmla="*/ 244762 h 3709642"/>
+              <a:gd name="connsiteX34" fmla="*/ 28130 w 559472"/>
+              <a:gd name="connsiteY34" fmla="*/ 122220 h 3709642"/>
+              <a:gd name="connsiteX35" fmla="*/ 0 w 559472"/>
+              <a:gd name="connsiteY35" fmla="*/ 0 h 3709642"/>
+            </a:gdLst>
+            <a:ahLst/>
+            <a:cxnLst>
+              <a:cxn ang="0">
+                <a:pos x="connsiteX0" y="connsiteY0"/>
+              </a:cxn>
+              <a:cxn ang="0">
+                <a:pos x="connsiteX1" y="connsiteY1"/>
+              </a:cxn>
+              <a:cxn ang="0">
+                <a:pos x="connsiteX2" y="connsiteY2"/>
+              </a:cxn>
+              <a:cxn ang="0">
+                <a:pos x="connsiteX3" y="connsiteY3"/>
+              </a:cxn>
+              <a:cxn ang="0">
+                <a:pos x="connsiteX4" y="connsiteY4"/>
+              </a:cxn>
+              <a:cxn ang="0">
+                <a:pos x="connsiteX5" y="connsiteY5"/>
+              </a:cxn>
+              <a:cxn ang="0">
+                <a:pos x="connsiteX6" y="connsiteY6"/>
+              </a:cxn>
+              <a:cxn ang="0">
+                <a:pos x="connsiteX7" y="connsiteY7"/>
+              </a:cxn>
+              <a:cxn ang="0">
+                <a:pos x="connsiteX8" y="connsiteY8"/>
+              </a:cxn>
+              <a:cxn ang="0">
+                <a:pos x="connsiteX9" y="connsiteY9"/>
+              </a:cxn>
+              <a:cxn ang="0">
+                <a:pos x="connsiteX10" y="connsiteY10"/>
+              </a:cxn>
+              <a:cxn ang="0">
+                <a:pos x="connsiteX11" y="connsiteY11"/>
+              </a:cxn>
+              <a:cxn ang="0">
+                <a:pos x="connsiteX12" y="connsiteY12"/>
+              </a:cxn>
+              <a:cxn ang="0">
+                <a:pos x="connsiteX13" y="connsiteY13"/>
+              </a:cxn>
+              <a:cxn ang="0">
+                <a:pos x="connsiteX14" y="connsiteY14"/>
+              </a:cxn>
+              <a:cxn ang="0">
+                <a:pos x="connsiteX15" y="connsiteY15"/>
+              </a:cxn>
+              <a:cxn ang="0">
+                <a:pos x="connsiteX16" y="connsiteY16"/>
+              </a:cxn>
+              <a:cxn ang="0">
+                <a:pos x="connsiteX17" y="connsiteY17"/>
+              </a:cxn>
+              <a:cxn ang="0">
+                <a:pos x="connsiteX18" y="connsiteY18"/>
+              </a:cxn>
+              <a:cxn ang="0">
+                <a:pos x="connsiteX19" y="connsiteY19"/>
+              </a:cxn>
+              <a:cxn ang="0">
+                <a:pos x="connsiteX20" y="connsiteY20"/>
+              </a:cxn>
+              <a:cxn ang="0">
+                <a:pos x="connsiteX21" y="connsiteY21"/>
+              </a:cxn>
+              <a:cxn ang="0">
+                <a:pos x="connsiteX22" y="connsiteY22"/>
+              </a:cxn>
+              <a:cxn ang="0">
+                <a:pos x="connsiteX23" y="connsiteY23"/>
+              </a:cxn>
+              <a:cxn ang="0">
+                <a:pos x="connsiteX24" y="connsiteY24"/>
+              </a:cxn>
+              <a:cxn ang="0">
+                <a:pos x="connsiteX25" y="connsiteY25"/>
+              </a:cxn>
+              <a:cxn ang="0">
+                <a:pos x="connsiteX26" y="connsiteY26"/>
+              </a:cxn>
+              <a:cxn ang="0">
+                <a:pos x="connsiteX27" y="connsiteY27"/>
+              </a:cxn>
+              <a:cxn ang="0">
+                <a:pos x="connsiteX28" y="connsiteY28"/>
+              </a:cxn>
+              <a:cxn ang="0">
+                <a:pos x="connsiteX29" y="connsiteY29"/>
+              </a:cxn>
+              <a:cxn ang="0">
+                <a:pos x="connsiteX30" y="connsiteY30"/>
+              </a:cxn>
+              <a:cxn ang="0">
+                <a:pos x="connsiteX31" y="connsiteY31"/>
+              </a:cxn>
+              <a:cxn ang="0">
+                <a:pos x="connsiteX32" y="connsiteY32"/>
+              </a:cxn>
+              <a:cxn ang="0">
+                <a:pos x="connsiteX33" y="connsiteY33"/>
+              </a:cxn>
+              <a:cxn ang="0">
+                <a:pos x="connsiteX34" y="connsiteY34"/>
+              </a:cxn>
+              <a:cxn ang="0">
+                <a:pos x="connsiteX35" y="connsiteY35"/>
+              </a:cxn>
+            </a:cxnLst>
+            <a:rect l="l" t="t" r="r" b="b"/>
+            <a:pathLst>
+              <a:path w="559472" h="3709642">
+                <a:moveTo>
+                  <a:pt x="0" y="0"/>
+                </a:moveTo>
+                <a:lnTo>
+                  <a:pt x="473952" y="0"/>
+                </a:lnTo>
+                <a:lnTo>
+                  <a:pt x="485840" y="161194"/>
+                </a:lnTo>
+                <a:cubicBezTo>
+                  <a:pt x="552063" y="1147770"/>
+                  <a:pt x="592441" y="3086737"/>
+                  <a:pt x="523949" y="3672197"/>
+                </a:cubicBezTo>
+                <a:cubicBezTo>
+                  <a:pt x="500842" y="3684557"/>
+                  <a:pt x="477855" y="3697282"/>
+                  <a:pt x="454748" y="3709642"/>
+                </a:cubicBezTo>
+                <a:lnTo>
+                  <a:pt x="448224" y="3510471"/>
+                </a:lnTo>
+                <a:lnTo>
+                  <a:pt x="443564" y="3408563"/>
+                </a:lnTo>
+                <a:lnTo>
+                  <a:pt x="438902" y="3304407"/>
+                </a:lnTo>
+                <a:lnTo>
+                  <a:pt x="433941" y="3198777"/>
+                </a:lnTo>
+                <a:lnTo>
+                  <a:pt x="427584" y="3092510"/>
+                </a:lnTo>
+                <a:lnTo>
+                  <a:pt x="420988" y="2984390"/>
+                </a:lnTo>
+                <a:lnTo>
+                  <a:pt x="414330" y="2874401"/>
+                </a:lnTo>
+                <a:lnTo>
+                  <a:pt x="406840" y="2762980"/>
+                </a:lnTo>
+                <a:lnTo>
+                  <a:pt x="397745" y="2650566"/>
+                </a:lnTo>
+                <a:lnTo>
+                  <a:pt x="389154" y="2536612"/>
+                </a:lnTo>
+                <a:lnTo>
+                  <a:pt x="379225" y="2421642"/>
+                </a:lnTo>
+                <a:lnTo>
+                  <a:pt x="368316" y="2305627"/>
+                </a:lnTo>
+                <a:lnTo>
+                  <a:pt x="357466" y="2189233"/>
+                </a:lnTo>
+                <a:lnTo>
+                  <a:pt x="344982" y="2071473"/>
+                </a:lnTo>
+                <a:lnTo>
+                  <a:pt x="332466" y="1952216"/>
+                </a:lnTo>
+                <a:lnTo>
+                  <a:pt x="319121" y="1833776"/>
+                </a:lnTo>
+                <a:lnTo>
+                  <a:pt x="304408" y="1713948"/>
+                </a:lnTo>
+                <a:lnTo>
+                  <a:pt x="288685" y="1592703"/>
+                </a:lnTo>
+                <a:lnTo>
+                  <a:pt x="273050" y="1471451"/>
+                </a:lnTo>
+                <a:lnTo>
+                  <a:pt x="255813" y="1350328"/>
+                </a:lnTo>
+                <a:lnTo>
+                  <a:pt x="237060" y="1227080"/>
+                </a:lnTo>
+                <a:lnTo>
+                  <a:pt x="218488" y="1106065"/>
+                </a:lnTo>
+                <a:lnTo>
+                  <a:pt x="198221" y="982940"/>
+                </a:lnTo>
+                <a:lnTo>
+                  <a:pt x="177152" y="858755"/>
+                </a:lnTo>
+                <a:lnTo>
+                  <a:pt x="155551" y="736861"/>
+                </a:lnTo>
+                <a:lnTo>
+                  <a:pt x="131782" y="613645"/>
+                </a:lnTo>
+                <a:lnTo>
+                  <a:pt x="107123" y="490500"/>
+                </a:lnTo>
+                <a:lnTo>
+                  <a:pt x="82552" y="367348"/>
+                </a:lnTo>
+                <a:lnTo>
+                  <a:pt x="55608" y="244762"/>
+                </a:lnTo>
+                <a:lnTo>
+                  <a:pt x="28130" y="122220"/>
+                </a:lnTo>
+                <a:lnTo>
+                  <a:pt x="0" y="0"/>
+                </a:lnTo>
+                <a:close/>
+              </a:path>
+            </a:pathLst>
+          </a:custGeom>
+          <a:solidFill>
+            <a:schemeClr val="bg1">
+              <a:alpha val="20000"/>
+            </a:schemeClr>
+          </a:solidFill>
+          <a:ln>
+            <a:noFill/>
+          </a:ln>
+        </p:spPr>
+        <p:txBody>
+          <a:bodyPr rtlCol="0" anchor="ctr"/>
+          <a:lstStyle/>
+          <a:p>
+            <a:pPr algn="ctr"/>
+            <a:endParaRPr lang="en-US"/>
+          </a:p>
+        </p:txBody>
+      </p:sp>
+      <p:sp useBgFill="1">
+        <p:nvSpPr>
+          <p:cNvPr id="19" name="Freeform 5">
+            <a:extLst>
+              <a:ext uri="{FF2B5EF4-FFF2-40B4-BE49-F238E27FC236}">
+                <a16:creationId xmlns:a16="http://schemas.microsoft.com/office/drawing/2014/main" id="{AE50896D-AACB-4C0A-855D-ECEFB4A0DA9A}"/>
+              </a:ext>
+            </a:extLst>
+          </p:cNvPr>
+          <p:cNvSpPr>
+            <a:spLocks noGrp="1" noRot="1" noChangeAspect="1" noMove="1" noResize="1" noEditPoints="1" noAdjustHandles="1" noChangeArrowheads="1" noChangeShapeType="1" noTextEdit="1"/>
+          </p:cNvSpPr>
+          <p:nvPr>
+            <p:extLst>
+              <p:ext uri="{386F3935-93C4-4BCD-93E2-E3B085C9AB24}">
+                <p16:designElem xmlns:p16="http://schemas.microsoft.com/office/powerpoint/2015/main" val="1"/>
+              </p:ext>
+            </p:extLst>
+          </p:nvPr>
+        </p:nvSpPr>
+        <p:spPr bwMode="gray">
+          <a:xfrm rot="16200000">
+            <a:off x="2450577" y="2756642"/>
+            <a:ext cx="6858000" cy="1344715"/>
+          </a:xfrm>
+          <a:custGeom>
+            <a:avLst/>
+            <a:gdLst/>
+            <a:ahLst/>
+            <a:cxnLst/>
+            <a:rect l="l" t="t" r="r" b="b"/>
+            <a:pathLst>
+              <a:path w="10000" h="8000">
+                <a:moveTo>
+                  <a:pt x="0" y="0"/>
+                </a:moveTo>
+                <a:lnTo>
+                  <a:pt x="0" y="7970"/>
+                </a:lnTo>
+                <a:lnTo>
+                  <a:pt x="10000" y="8000"/>
+                </a:lnTo>
+                <a:lnTo>
+                  <a:pt x="10000" y="7"/>
+                </a:lnTo>
+                <a:lnTo>
+                  <a:pt x="10000" y="7"/>
+                </a:lnTo>
+                <a:lnTo>
+                  <a:pt x="9773" y="156"/>
+                </a:lnTo>
+                <a:lnTo>
+                  <a:pt x="9547" y="298"/>
+                </a:lnTo>
+                <a:lnTo>
+                  <a:pt x="9320" y="437"/>
+                </a:lnTo>
+                <a:lnTo>
+                  <a:pt x="9092" y="556"/>
+                </a:lnTo>
+                <a:lnTo>
+                  <a:pt x="8865" y="676"/>
+                </a:lnTo>
+                <a:lnTo>
+                  <a:pt x="8637" y="788"/>
+                </a:lnTo>
+                <a:lnTo>
+                  <a:pt x="8412" y="884"/>
+                </a:lnTo>
+                <a:lnTo>
+                  <a:pt x="8184" y="975"/>
+                </a:lnTo>
+                <a:lnTo>
+                  <a:pt x="7957" y="1058"/>
+                </a:lnTo>
+                <a:lnTo>
+                  <a:pt x="7734" y="1130"/>
+                </a:lnTo>
+                <a:lnTo>
+                  <a:pt x="7508" y="1202"/>
+                </a:lnTo>
+                <a:lnTo>
+                  <a:pt x="7285" y="1262"/>
+                </a:lnTo>
+                <a:lnTo>
+                  <a:pt x="7062" y="1309"/>
+                </a:lnTo>
+                <a:lnTo>
+                  <a:pt x="6840" y="1358"/>
+                </a:lnTo>
+                <a:lnTo>
+                  <a:pt x="6620" y="1399"/>
+                </a:lnTo>
+                <a:lnTo>
+                  <a:pt x="6402" y="1428"/>
+                </a:lnTo>
+                <a:lnTo>
+                  <a:pt x="6184" y="1453"/>
+                </a:lnTo>
+                <a:lnTo>
+                  <a:pt x="5968" y="1477"/>
+                </a:lnTo>
+                <a:lnTo>
+                  <a:pt x="5755" y="1488"/>
+                </a:lnTo>
+                <a:lnTo>
+                  <a:pt x="5542" y="1500"/>
+                </a:lnTo>
+                <a:lnTo>
+                  <a:pt x="5332" y="1506"/>
+                </a:lnTo>
+                <a:lnTo>
+                  <a:pt x="5124" y="1500"/>
+                </a:lnTo>
+                <a:lnTo>
+                  <a:pt x="4918" y="1500"/>
+                </a:lnTo>
+                <a:lnTo>
+                  <a:pt x="4714" y="1488"/>
+                </a:lnTo>
+                <a:lnTo>
+                  <a:pt x="4514" y="1470"/>
+                </a:lnTo>
+                <a:lnTo>
+                  <a:pt x="4316" y="1453"/>
+                </a:lnTo>
+                <a:lnTo>
+                  <a:pt x="4122" y="1434"/>
+                </a:lnTo>
+                <a:lnTo>
+                  <a:pt x="3929" y="1405"/>
+                </a:lnTo>
+                <a:lnTo>
+                  <a:pt x="3739" y="1374"/>
+                </a:lnTo>
+                <a:lnTo>
+                  <a:pt x="3553" y="1346"/>
+                </a:lnTo>
+                <a:lnTo>
+                  <a:pt x="3190" y="1267"/>
+                </a:lnTo>
+                <a:lnTo>
+                  <a:pt x="2842" y="1183"/>
+                </a:lnTo>
+                <a:lnTo>
+                  <a:pt x="2508" y="1095"/>
+                </a:lnTo>
+                <a:lnTo>
+                  <a:pt x="2192" y="998"/>
+                </a:lnTo>
+                <a:lnTo>
+                  <a:pt x="1890" y="897"/>
+                </a:lnTo>
+                <a:lnTo>
+                  <a:pt x="1610" y="788"/>
+                </a:lnTo>
+                <a:lnTo>
+                  <a:pt x="1347" y="681"/>
+                </a:lnTo>
+                <a:lnTo>
+                  <a:pt x="1105" y="574"/>
+                </a:lnTo>
+                <a:lnTo>
+                  <a:pt x="883" y="473"/>
+                </a:lnTo>
+                <a:lnTo>
+                  <a:pt x="686" y="377"/>
+                </a:lnTo>
+                <a:lnTo>
+                  <a:pt x="508" y="286"/>
+                </a:lnTo>
+                <a:lnTo>
+                  <a:pt x="358" y="210"/>
+                </a:lnTo>
+                <a:lnTo>
+                  <a:pt x="232" y="138"/>
+                </a:lnTo>
+                <a:lnTo>
+                  <a:pt x="59" y="35"/>
+                </a:lnTo>
+                <a:lnTo>
+                  <a:pt x="0" y="0"/>
+                </a:lnTo>
+                <a:lnTo>
+                  <a:pt x="0" y="0"/>
+                </a:lnTo>
+                <a:close/>
+              </a:path>
+            </a:pathLst>
+          </a:custGeom>
+          <a:ln>
+            <a:noFill/>
+          </a:ln>
+        </p:spPr>
       </p:sp>
       <p:pic>
         <p:nvPicPr>
-          <p:cNvPr id="5" name="Content Placeholder 4">
+          <p:cNvPr id="8" name="Content Placeholder 4">
             <a:extLst>
               <a:ext uri="{FF2B5EF4-FFF2-40B4-BE49-F238E27FC236}">
                 <a16:creationId xmlns:a16="http://schemas.microsoft.com/office/drawing/2014/main" id="{6265D622-F934-4903-AE7B-87B54F4BF7D1}"/>
@@ -6694,11 +7330,9 @@
             </a:extLst>
           </p:cNvPr>
           <p:cNvPicPr>
-            <a:picLocks noGrp="1" noChangeAspect="1"/>
+            <a:picLocks noChangeAspect="1"/>
           </p:cNvPicPr>
-          <p:nvPr>
-            <p:ph idx="1"/>
-          </p:nvPr>
+          <p:nvPr/>
         </p:nvPicPr>
         <p:blipFill>
           <a:blip r:embed="rId2"/>
@@ -6708,14 +7342,116 @@
         </p:blipFill>
         <p:spPr>
           <a:xfrm>
-            <a:off x="4142791" y="57803"/>
-            <a:ext cx="5215813" cy="6742394"/>
+            <a:off x="5984817" y="-172013"/>
+            <a:ext cx="5563564" cy="7202024"/>
           </a:xfrm>
           <a:prstGeom prst="rect">
             <a:avLst/>
           </a:prstGeom>
+          <a:effectLst/>
         </p:spPr>
       </p:pic>
+      <p:sp>
+        <p:nvSpPr>
+          <p:cNvPr id="21" name="Rectangle 20">
+            <a:extLst>
+              <a:ext uri="{FF2B5EF4-FFF2-40B4-BE49-F238E27FC236}">
+                <a16:creationId xmlns:a16="http://schemas.microsoft.com/office/drawing/2014/main" id="{A92A1116-1C84-41DF-B803-1F7B0883EC82}"/>
+              </a:ext>
+            </a:extLst>
+          </p:cNvPr>
+          <p:cNvSpPr>
+            <a:spLocks noGrp="1" noRot="1" noChangeAspect="1" noMove="1" noResize="1" noEditPoints="1" noAdjustHandles="1" noChangeArrowheads="1" noChangeShapeType="1" noTextEdit="1"/>
+          </p:cNvSpPr>
+          <p:nvPr>
+            <p:extLst>
+              <p:ext uri="{386F3935-93C4-4BCD-93E2-E3B085C9AB24}">
+                <p16:designElem xmlns:p16="http://schemas.microsoft.com/office/powerpoint/2015/main" val="1"/>
+              </p:ext>
+            </p:extLst>
+          </p:nvPr>
+        </p:nvSpPr>
+        <p:spPr>
+          <a:xfrm>
+            <a:off x="10442448" y="0"/>
+            <a:ext cx="685800" cy="1143000"/>
+          </a:xfrm>
+          <a:prstGeom prst="rect">
+            <a:avLst/>
+          </a:prstGeom>
+          <a:solidFill>
+            <a:schemeClr val="accent1"/>
+          </a:solidFill>
+          <a:ln>
+            <a:noFill/>
+          </a:ln>
+        </p:spPr>
+        <p:style>
+          <a:lnRef idx="1">
+            <a:schemeClr val="accent1"/>
+          </a:lnRef>
+          <a:fillRef idx="3">
+            <a:schemeClr val="accent1"/>
+          </a:fillRef>
+          <a:effectRef idx="2">
+            <a:schemeClr val="accent1"/>
+          </a:effectRef>
+          <a:fontRef idx="minor">
+            <a:schemeClr val="lt1"/>
+          </a:fontRef>
+        </p:style>
+      </p:sp>
+      <p:sp>
+        <p:nvSpPr>
+          <p:cNvPr id="2" name="Title 1">
+            <a:extLst>
+              <a:ext uri="{FF2B5EF4-FFF2-40B4-BE49-F238E27FC236}">
+                <a16:creationId xmlns:a16="http://schemas.microsoft.com/office/drawing/2014/main" id="{55B405AB-402F-4A59-8FC8-DDB127BB03C4}"/>
+              </a:ext>
+            </a:extLst>
+          </p:cNvPr>
+          <p:cNvSpPr>
+            <a:spLocks noGrp="1"/>
+          </p:cNvSpPr>
+          <p:nvPr>
+            <p:ph type="title"/>
+          </p:nvPr>
+        </p:nvSpPr>
+        <p:spPr>
+          <a:xfrm>
+            <a:off x="648931" y="629266"/>
+            <a:ext cx="4166510" cy="1622321"/>
+          </a:xfrm>
+        </p:spPr>
+        <p:txBody>
+          <a:bodyPr>
+            <a:normAutofit/>
+          </a:bodyPr>
+          <a:lstStyle/>
+          <a:p>
+            <a:r>
+              <a:rPr lang="en-US">
+                <a:solidFill>
+                  <a:srgbClr val="EBEBEB"/>
+                </a:solidFill>
+              </a:rPr>
+              <a:t>ARCHITECTURE</a:t>
+            </a:r>
+            <a:br>
+              <a:rPr lang="en-US">
+                <a:solidFill>
+                  <a:srgbClr val="EBEBEB"/>
+                </a:solidFill>
+              </a:rPr>
+            </a:br>
+            <a:endParaRPr lang="en-US">
+              <a:solidFill>
+                <a:srgbClr val="EBEBEB"/>
+              </a:solidFill>
+            </a:endParaRPr>
+          </a:p>
+        </p:txBody>
+      </p:sp>
     </p:spTree>
     <p:extLst>
       <p:ext uri="{BB962C8B-B14F-4D97-AF65-F5344CB8AC3E}">
@@ -6724,7 +7460,7 @@
     </p:extLst>
   </p:cSld>
   <p:clrMapOvr>
-    <a:masterClrMapping/>
+    <a:overrideClrMapping bg1="lt1" tx1="dk1" bg2="lt2" tx2="dk2" accent1="accent1" accent2="accent2" accent3="accent3" accent4="accent4" accent5="accent5" accent6="accent6" hlink="hlink" folHlink="folHlink"/>
   </p:clrMapOvr>
 </p:sld>
 </file>
@@ -6826,6 +7562,191 @@
     <p:extLst>
       <p:ext uri="{BB962C8B-B14F-4D97-AF65-F5344CB8AC3E}">
         <p14:creationId xmlns:p14="http://schemas.microsoft.com/office/powerpoint/2010/main" val="1877223757"/>
+      </p:ext>
+    </p:extLst>
+  </p:cSld>
+  <p:clrMapOvr>
+    <a:masterClrMapping/>
+  </p:clrMapOvr>
+</p:sld>
+</file>
+
+<file path=ppt/slides/slide7.xml><?xml version="1.0" encoding="utf-8"?>
+<p:sld xmlns:a="http://schemas.openxmlformats.org/drawingml/2006/main" xmlns:r="http://schemas.openxmlformats.org/officeDocument/2006/relationships" xmlns:p="http://schemas.openxmlformats.org/presentationml/2006/main">
+  <p:cSld>
+    <p:spTree>
+      <p:nvGrpSpPr>
+        <p:cNvPr id="1" name=""/>
+        <p:cNvGrpSpPr/>
+        <p:nvPr/>
+      </p:nvGrpSpPr>
+      <p:grpSpPr>
+        <a:xfrm>
+          <a:off x="0" y="0"/>
+          <a:ext cx="0" cy="0"/>
+          <a:chOff x="0" y="0"/>
+          <a:chExt cx="0" cy="0"/>
+        </a:xfrm>
+      </p:grpSpPr>
+      <p:sp>
+        <p:nvSpPr>
+          <p:cNvPr id="2" name="Title 1">
+            <a:extLst>
+              <a:ext uri="{FF2B5EF4-FFF2-40B4-BE49-F238E27FC236}">
+                <a16:creationId xmlns:a16="http://schemas.microsoft.com/office/drawing/2014/main" id="{7C021CC0-F447-485E-943A-89DDBDC696DB}"/>
+              </a:ext>
+            </a:extLst>
+          </p:cNvPr>
+          <p:cNvSpPr>
+            <a:spLocks noGrp="1"/>
+          </p:cNvSpPr>
+          <p:nvPr>
+            <p:ph type="title"/>
+          </p:nvPr>
+        </p:nvSpPr>
+        <p:spPr/>
+        <p:txBody>
+          <a:bodyPr/>
+          <a:lstStyle/>
+          <a:p>
+            <a:r>
+              <a:rPr lang="en-US" dirty="0"/>
+              <a:t>AMAZON API GATEWAY</a:t>
+            </a:r>
+          </a:p>
+        </p:txBody>
+      </p:sp>
+      <p:pic>
+        <p:nvPicPr>
+          <p:cNvPr id="5" name="Content Placeholder 4">
+            <a:extLst>
+              <a:ext uri="{FF2B5EF4-FFF2-40B4-BE49-F238E27FC236}">
+                <a16:creationId xmlns:a16="http://schemas.microsoft.com/office/drawing/2014/main" id="{3C65958F-7DBC-4793-974C-8EBD88158825}"/>
+              </a:ext>
+            </a:extLst>
+          </p:cNvPr>
+          <p:cNvPicPr>
+            <a:picLocks noGrp="1" noChangeAspect="1"/>
+          </p:cNvPicPr>
+          <p:nvPr>
+            <p:ph idx="1"/>
+          </p:nvPr>
+        </p:nvPicPr>
+        <p:blipFill>
+          <a:blip r:embed="rId2"/>
+          <a:stretch>
+            <a:fillRect/>
+          </a:stretch>
+        </p:blipFill>
+        <p:spPr>
+          <a:xfrm>
+            <a:off x="979251" y="2009881"/>
+            <a:ext cx="10233497" cy="4848119"/>
+          </a:xfrm>
+          <a:prstGeom prst="rect">
+            <a:avLst/>
+          </a:prstGeom>
+        </p:spPr>
+      </p:pic>
+    </p:spTree>
+    <p:extLst>
+      <p:ext uri="{BB962C8B-B14F-4D97-AF65-F5344CB8AC3E}">
+        <p14:creationId xmlns:p14="http://schemas.microsoft.com/office/powerpoint/2010/main" val="3367193414"/>
+      </p:ext>
+    </p:extLst>
+  </p:cSld>
+  <p:clrMapOvr>
+    <a:masterClrMapping/>
+  </p:clrMapOvr>
+</p:sld>
+</file>
+
+<file path=ppt/slides/slide8.xml><?xml version="1.0" encoding="utf-8"?>
+<p:sld xmlns:a="http://schemas.openxmlformats.org/drawingml/2006/main" xmlns:r="http://schemas.openxmlformats.org/officeDocument/2006/relationships" xmlns:p="http://schemas.openxmlformats.org/presentationml/2006/main">
+  <p:cSld>
+    <p:spTree>
+      <p:nvGrpSpPr>
+        <p:cNvPr id="1" name=""/>
+        <p:cNvGrpSpPr/>
+        <p:nvPr/>
+      </p:nvGrpSpPr>
+      <p:grpSpPr>
+        <a:xfrm>
+          <a:off x="0" y="0"/>
+          <a:ext cx="0" cy="0"/>
+          <a:chOff x="0" y="0"/>
+          <a:chExt cx="0" cy="0"/>
+        </a:xfrm>
+      </p:grpSpPr>
+      <p:sp>
+        <p:nvSpPr>
+          <p:cNvPr id="2" name="Title 1">
+            <a:extLst>
+              <a:ext uri="{FF2B5EF4-FFF2-40B4-BE49-F238E27FC236}">
+                <a16:creationId xmlns:a16="http://schemas.microsoft.com/office/drawing/2014/main" id="{A07C0191-75F4-4685-8BBF-5E9E0164D4FC}"/>
+              </a:ext>
+            </a:extLst>
+          </p:cNvPr>
+          <p:cNvSpPr>
+            <a:spLocks noGrp="1"/>
+          </p:cNvSpPr>
+          <p:nvPr>
+            <p:ph type="title"/>
+          </p:nvPr>
+        </p:nvSpPr>
+        <p:spPr>
+          <a:xfrm>
+            <a:off x="646111" y="452718"/>
+            <a:ext cx="9404723" cy="918882"/>
+          </a:xfrm>
+        </p:spPr>
+        <p:txBody>
+          <a:bodyPr/>
+          <a:lstStyle/>
+          <a:p>
+            <a:r>
+              <a:rPr lang="en-US" dirty="0"/>
+              <a:t>HEROKU</a:t>
+            </a:r>
+          </a:p>
+        </p:txBody>
+      </p:sp>
+      <p:pic>
+        <p:nvPicPr>
+          <p:cNvPr id="5" name="Content Placeholder 4">
+            <a:extLst>
+              <a:ext uri="{FF2B5EF4-FFF2-40B4-BE49-F238E27FC236}">
+                <a16:creationId xmlns:a16="http://schemas.microsoft.com/office/drawing/2014/main" id="{098C00A6-585D-4EEC-B753-3C3297EEF7FD}"/>
+              </a:ext>
+            </a:extLst>
+          </p:cNvPr>
+          <p:cNvPicPr>
+            <a:picLocks noGrp="1" noChangeAspect="1"/>
+          </p:cNvPicPr>
+          <p:nvPr>
+            <p:ph idx="1"/>
+          </p:nvPr>
+        </p:nvPicPr>
+        <p:blipFill>
+          <a:blip r:embed="rId2"/>
+          <a:stretch>
+            <a:fillRect/>
+          </a:stretch>
+        </p:blipFill>
+        <p:spPr>
+          <a:xfrm>
+            <a:off x="736817" y="1830962"/>
+            <a:ext cx="10547268" cy="4963808"/>
+          </a:xfrm>
+          <a:prstGeom prst="rect">
+            <a:avLst/>
+          </a:prstGeom>
+        </p:spPr>
+      </p:pic>
+    </p:spTree>
+    <p:extLst>
+      <p:ext uri="{BB962C8B-B14F-4D97-AF65-F5344CB8AC3E}">
+        <p14:creationId xmlns:p14="http://schemas.microsoft.com/office/powerpoint/2010/main" val="1104694708"/>
       </p:ext>
     </p:extLst>
   </p:cSld>
